--- a/figures/figS.pptx
+++ b/figures/figS.pptx
@@ -108,6 +108,11 @@
       </a:defRPr>
     </a:lvl9pPr>
   </p:defaultTextStyle>
+  <p:extLst>
+    <p:ext uri="{EFAFB233-063F-42B5-8137-9DF3F51BA10A}">
+      <p15:sldGuideLst xmlns:p15="http://schemas.microsoft.com/office/powerpoint/2012/main"/>
+    </p:ext>
+  </p:extLst>
 </p:presentation>
 </file>
 
@@ -193,7 +198,7 @@
           <a:p>
             <a:fld id="{6ED32402-78A0-8E48-8D6D-AC54CA877F82}" type="datetimeFigureOut">
               <a:rPr lang="en-US" smtClean="0"/>
-              <a:t>10/13/22</a:t>
+              <a:t>10/20/22</a:t>
             </a:fld>
             <a:endParaRPr lang="en-US"/>
           </a:p>
@@ -694,7 +699,7 @@
           <a:p>
             <a:fld id="{62A3CDAC-3DC0-D749-B94A-455F63C9C358}" type="datetimeFigureOut">
               <a:rPr lang="en-US" smtClean="0"/>
-              <a:t>10/13/22</a:t>
+              <a:t>10/20/22</a:t>
             </a:fld>
             <a:endParaRPr lang="en-US"/>
           </a:p>
@@ -894,7 +899,7 @@
           <a:p>
             <a:fld id="{62A3CDAC-3DC0-D749-B94A-455F63C9C358}" type="datetimeFigureOut">
               <a:rPr lang="en-US" smtClean="0"/>
-              <a:t>10/13/22</a:t>
+              <a:t>10/20/22</a:t>
             </a:fld>
             <a:endParaRPr lang="en-US"/>
           </a:p>
@@ -1104,7 +1109,7 @@
           <a:p>
             <a:fld id="{62A3CDAC-3DC0-D749-B94A-455F63C9C358}" type="datetimeFigureOut">
               <a:rPr lang="en-US" smtClean="0"/>
-              <a:t>10/13/22</a:t>
+              <a:t>10/20/22</a:t>
             </a:fld>
             <a:endParaRPr lang="en-US"/>
           </a:p>
@@ -1304,7 +1309,7 @@
           <a:p>
             <a:fld id="{62A3CDAC-3DC0-D749-B94A-455F63C9C358}" type="datetimeFigureOut">
               <a:rPr lang="en-US" smtClean="0"/>
-              <a:t>10/13/22</a:t>
+              <a:t>10/20/22</a:t>
             </a:fld>
             <a:endParaRPr lang="en-US"/>
           </a:p>
@@ -1580,7 +1585,7 @@
           <a:p>
             <a:fld id="{62A3CDAC-3DC0-D749-B94A-455F63C9C358}" type="datetimeFigureOut">
               <a:rPr lang="en-US" smtClean="0"/>
-              <a:t>10/13/22</a:t>
+              <a:t>10/20/22</a:t>
             </a:fld>
             <a:endParaRPr lang="en-US"/>
           </a:p>
@@ -1848,7 +1853,7 @@
           <a:p>
             <a:fld id="{62A3CDAC-3DC0-D749-B94A-455F63C9C358}" type="datetimeFigureOut">
               <a:rPr lang="en-US" smtClean="0"/>
-              <a:t>10/13/22</a:t>
+              <a:t>10/20/22</a:t>
             </a:fld>
             <a:endParaRPr lang="en-US"/>
           </a:p>
@@ -2263,7 +2268,7 @@
           <a:p>
             <a:fld id="{62A3CDAC-3DC0-D749-B94A-455F63C9C358}" type="datetimeFigureOut">
               <a:rPr lang="en-US" smtClean="0"/>
-              <a:t>10/13/22</a:t>
+              <a:t>10/20/22</a:t>
             </a:fld>
             <a:endParaRPr lang="en-US"/>
           </a:p>
@@ -2405,7 +2410,7 @@
           <a:p>
             <a:fld id="{62A3CDAC-3DC0-D749-B94A-455F63C9C358}" type="datetimeFigureOut">
               <a:rPr lang="en-US" smtClean="0"/>
-              <a:t>10/13/22</a:t>
+              <a:t>10/20/22</a:t>
             </a:fld>
             <a:endParaRPr lang="en-US"/>
           </a:p>
@@ -2518,7 +2523,7 @@
           <a:p>
             <a:fld id="{62A3CDAC-3DC0-D749-B94A-455F63C9C358}" type="datetimeFigureOut">
               <a:rPr lang="en-US" smtClean="0"/>
-              <a:t>10/13/22</a:t>
+              <a:t>10/20/22</a:t>
             </a:fld>
             <a:endParaRPr lang="en-US"/>
           </a:p>
@@ -2831,7 +2836,7 @@
           <a:p>
             <a:fld id="{62A3CDAC-3DC0-D749-B94A-455F63C9C358}" type="datetimeFigureOut">
               <a:rPr lang="en-US" smtClean="0"/>
-              <a:t>10/13/22</a:t>
+              <a:t>10/20/22</a:t>
             </a:fld>
             <a:endParaRPr lang="en-US"/>
           </a:p>
@@ -3120,7 +3125,7 @@
           <a:p>
             <a:fld id="{62A3CDAC-3DC0-D749-B94A-455F63C9C358}" type="datetimeFigureOut">
               <a:rPr lang="en-US" smtClean="0"/>
-              <a:t>10/13/22</a:t>
+              <a:t>10/20/22</a:t>
             </a:fld>
             <a:endParaRPr lang="en-US"/>
           </a:p>
@@ -3363,7 +3368,7 @@
           <a:p>
             <a:fld id="{62A3CDAC-3DC0-D749-B94A-455F63C9C358}" type="datetimeFigureOut">
               <a:rPr lang="en-US" smtClean="0"/>
-              <a:t>10/13/22</a:t>
+              <a:t>10/20/22</a:t>
             </a:fld>
             <a:endParaRPr lang="en-US"/>
           </a:p>
@@ -3802,7 +3807,7 @@
         </p:blipFill>
         <p:spPr>
           <a:xfrm rot="60000">
-            <a:off x="5173979" y="3054096"/>
+            <a:off x="482110" y="1244201"/>
             <a:ext cx="6323531" cy="2137532"/>
           </a:xfrm>
           <a:prstGeom prst="rect">
@@ -3826,7 +3831,7 @@
         </p:nvCxnSpPr>
         <p:spPr>
           <a:xfrm>
-            <a:off x="6096000" y="2734056"/>
+            <a:off x="1404131" y="924161"/>
             <a:ext cx="0" cy="2249424"/>
           </a:xfrm>
           <a:prstGeom prst="line">
@@ -3869,7 +3874,7 @@
         </p:nvCxnSpPr>
         <p:spPr>
           <a:xfrm>
-            <a:off x="6641592" y="2734056"/>
+            <a:off x="1949723" y="924161"/>
             <a:ext cx="0" cy="2249424"/>
           </a:xfrm>
           <a:prstGeom prst="line">
@@ -3912,7 +3917,7 @@
         </p:nvCxnSpPr>
         <p:spPr>
           <a:xfrm>
-            <a:off x="7226808" y="2734056"/>
+            <a:off x="2534939" y="924161"/>
             <a:ext cx="0" cy="2249424"/>
           </a:xfrm>
           <a:prstGeom prst="line">
@@ -3955,7 +3960,7 @@
         </p:nvCxnSpPr>
         <p:spPr>
           <a:xfrm>
-            <a:off x="7766304" y="2734056"/>
+            <a:off x="3074435" y="924161"/>
             <a:ext cx="0" cy="2249424"/>
           </a:xfrm>
           <a:prstGeom prst="line">
@@ -3998,7 +4003,7 @@
         </p:nvCxnSpPr>
         <p:spPr>
           <a:xfrm>
-            <a:off x="8335744" y="2734056"/>
+            <a:off x="3643875" y="924161"/>
             <a:ext cx="0" cy="2249424"/>
           </a:xfrm>
           <a:prstGeom prst="line">
@@ -4041,7 +4046,7 @@
         </p:nvCxnSpPr>
         <p:spPr>
           <a:xfrm>
-            <a:off x="8872728" y="2734056"/>
+            <a:off x="4180859" y="924161"/>
             <a:ext cx="0" cy="2249424"/>
           </a:xfrm>
           <a:prstGeom prst="line">
@@ -4084,7 +4089,7 @@
         </p:nvCxnSpPr>
         <p:spPr>
           <a:xfrm>
-            <a:off x="9467088" y="2734056"/>
+            <a:off x="4775219" y="924161"/>
             <a:ext cx="0" cy="2249424"/>
           </a:xfrm>
           <a:prstGeom prst="line">
@@ -4127,7 +4132,7 @@
         </p:nvCxnSpPr>
         <p:spPr>
           <a:xfrm>
-            <a:off x="9201912" y="2734056"/>
+            <a:off x="4510043" y="924161"/>
             <a:ext cx="0" cy="2249424"/>
           </a:xfrm>
           <a:prstGeom prst="line">
@@ -4170,7 +4175,7 @@
         </p:nvCxnSpPr>
         <p:spPr>
           <a:xfrm>
-            <a:off x="9759696" y="2734056"/>
+            <a:off x="5067827" y="924161"/>
             <a:ext cx="0" cy="2249424"/>
           </a:xfrm>
           <a:prstGeom prst="line">
@@ -4211,7 +4216,7 @@
         </p:nvGrpSpPr>
         <p:grpSpPr>
           <a:xfrm>
-            <a:off x="463940" y="3141405"/>
+            <a:off x="463940" y="3525453"/>
             <a:ext cx="3110533" cy="2604767"/>
             <a:chOff x="463940" y="3141406"/>
             <a:chExt cx="2736083" cy="2326706"/>
@@ -4518,8 +4523,8 @@
           </p:nvSpPr>
           <p:spPr>
             <a:xfrm>
-              <a:off x="778516" y="3858768"/>
-              <a:ext cx="485907" cy="338554"/>
+              <a:off x="778515" y="3858768"/>
+              <a:ext cx="512433" cy="357398"/>
             </a:xfrm>
             <a:prstGeom prst="rect">
               <a:avLst/>
@@ -4533,12 +4538,22 @@
             <a:lstStyle/>
             <a:p>
               <a:r>
-                <a:rPr lang="en-US" sz="800" dirty="0">
+                <a:rPr lang="en-US" sz="1000" dirty="0">
                   <a:solidFill>
                     <a:srgbClr val="FF0000"/>
                   </a:solidFill>
                 </a:rPr>
-                <a:t>SALK_039481</a:t>
+                <a:t>SALK_</a:t>
+              </a:r>
+            </a:p>
+            <a:p>
+              <a:r>
+                <a:rPr lang="en-US" sz="1000" dirty="0">
+                  <a:solidFill>
+                    <a:srgbClr val="FF0000"/>
+                  </a:solidFill>
+                </a:rPr>
+                <a:t>039481</a:t>
               </a:r>
             </a:p>
           </p:txBody>
@@ -4557,8 +4572,8 @@
           </p:nvSpPr>
           <p:spPr>
             <a:xfrm>
-              <a:off x="1230449" y="3858768"/>
-              <a:ext cx="462377" cy="302413"/>
+              <a:off x="1198276" y="3858768"/>
+              <a:ext cx="462377" cy="357398"/>
             </a:xfrm>
             <a:prstGeom prst="rect">
               <a:avLst/>
@@ -4572,7 +4587,7 @@
             <a:lstStyle/>
             <a:p>
               <a:r>
-                <a:rPr lang="en-US" sz="800" dirty="0">
+                <a:rPr lang="en-US" sz="1000" dirty="0">
                   <a:solidFill>
                     <a:srgbClr val="FF0000"/>
                   </a:solidFill>
@@ -4596,8 +4611,8 @@
           </p:nvSpPr>
           <p:spPr>
             <a:xfrm>
-              <a:off x="1492213" y="3876493"/>
-              <a:ext cx="576904" cy="338554"/>
+              <a:off x="1492213" y="3860157"/>
+              <a:ext cx="576904" cy="357398"/>
             </a:xfrm>
             <a:prstGeom prst="rect">
               <a:avLst/>
@@ -4611,7 +4626,7 @@
             <a:lstStyle/>
             <a:p>
               <a:r>
-                <a:rPr lang="en-US" sz="800" dirty="0">
+                <a:rPr lang="en-US" sz="1000" dirty="0">
                   <a:solidFill>
                     <a:srgbClr val="FF0000"/>
                   </a:solidFill>
@@ -4635,8 +4650,8 @@
           </p:nvSpPr>
           <p:spPr>
             <a:xfrm>
-              <a:off x="1936187" y="3886423"/>
-              <a:ext cx="485907" cy="338554"/>
+              <a:off x="1936186" y="3861920"/>
+              <a:ext cx="544112" cy="357398"/>
             </a:xfrm>
             <a:prstGeom prst="rect">
               <a:avLst/>
@@ -4650,12 +4665,22 @@
             <a:lstStyle/>
             <a:p>
               <a:r>
-                <a:rPr lang="en-US" sz="800" dirty="0">
+                <a:rPr lang="en-US" sz="1000" dirty="0">
                   <a:solidFill>
                     <a:srgbClr val="FF0000"/>
                   </a:solidFill>
                 </a:rPr>
-                <a:t>SALK_039481</a:t>
+                <a:t>SALK_</a:t>
+              </a:r>
+            </a:p>
+            <a:p>
+              <a:r>
+                <a:rPr lang="en-US" sz="1000" dirty="0">
+                  <a:solidFill>
+                    <a:srgbClr val="FF0000"/>
+                  </a:solidFill>
+                </a:rPr>
+                <a:t>039481</a:t>
               </a:r>
             </a:p>
           </p:txBody>
@@ -4675,7 +4700,7 @@
           <p:spPr>
             <a:xfrm>
               <a:off x="2305570" y="3858994"/>
-              <a:ext cx="462377" cy="302413"/>
+              <a:ext cx="462377" cy="357398"/>
             </a:xfrm>
             <a:prstGeom prst="rect">
               <a:avLst/>
@@ -4689,7 +4714,7 @@
             <a:lstStyle/>
             <a:p>
               <a:r>
-                <a:rPr lang="en-US" sz="800" dirty="0">
+                <a:rPr lang="en-US" sz="1000" dirty="0">
                   <a:solidFill>
                     <a:srgbClr val="FF0000"/>
                   </a:solidFill>
@@ -4713,8 +4738,8 @@
           </p:nvSpPr>
           <p:spPr>
             <a:xfrm>
-              <a:off x="2569112" y="3927564"/>
-              <a:ext cx="576904" cy="338554"/>
+              <a:off x="2569112" y="3862221"/>
+              <a:ext cx="576904" cy="357398"/>
             </a:xfrm>
             <a:prstGeom prst="rect">
               <a:avLst/>
@@ -4728,7 +4753,7 @@
             <a:lstStyle/>
             <a:p>
               <a:r>
-                <a:rPr lang="en-US" sz="800" dirty="0">
+                <a:rPr lang="en-US" sz="1000" dirty="0">
                   <a:solidFill>
                     <a:srgbClr val="FF0000"/>
                   </a:solidFill>
@@ -4739,6 +4764,346 @@
           </p:txBody>
         </p:sp>
       </p:grpSp>
+      <p:sp>
+        <p:nvSpPr>
+          <p:cNvPr id="2" name="TextBox 1">
+            <a:extLst>
+              <a:ext uri="{FF2B5EF4-FFF2-40B4-BE49-F238E27FC236}">
+                <a16:creationId xmlns:a16="http://schemas.microsoft.com/office/drawing/2014/main" id="{4DEFB32D-BFEF-EF4E-C0C3-0D0802DD959A}"/>
+              </a:ext>
+            </a:extLst>
+          </p:cNvPr>
+          <p:cNvSpPr txBox="1"/>
+          <p:nvPr/>
+        </p:nvSpPr>
+        <p:spPr>
+          <a:xfrm>
+            <a:off x="1535195" y="551781"/>
+            <a:ext cx="288862" cy="307777"/>
+          </a:xfrm>
+          <a:prstGeom prst="rect">
+            <a:avLst/>
+          </a:prstGeom>
+          <a:noFill/>
+        </p:spPr>
+        <p:txBody>
+          <a:bodyPr wrap="none" rtlCol="0">
+            <a:spAutoFit/>
+          </a:bodyPr>
+          <a:lstStyle/>
+          <a:p>
+            <a:r>
+              <a:rPr lang="en-JP" sz="1400" dirty="0">
+                <a:solidFill>
+                  <a:srgbClr val="FF0000"/>
+                </a:solidFill>
+              </a:rPr>
+              <a:t>A</a:t>
+            </a:r>
+          </a:p>
+        </p:txBody>
+      </p:sp>
+      <p:sp>
+        <p:nvSpPr>
+          <p:cNvPr id="3" name="TextBox 2">
+            <a:extLst>
+              <a:ext uri="{FF2B5EF4-FFF2-40B4-BE49-F238E27FC236}">
+                <a16:creationId xmlns:a16="http://schemas.microsoft.com/office/drawing/2014/main" id="{81CCBB9C-AD0C-8E8E-BA9D-E6E3DC3D26AE}"/>
+              </a:ext>
+            </a:extLst>
+          </p:cNvPr>
+          <p:cNvSpPr txBox="1"/>
+          <p:nvPr/>
+        </p:nvSpPr>
+        <p:spPr>
+          <a:xfrm>
+            <a:off x="2101132" y="551781"/>
+            <a:ext cx="282450" cy="307777"/>
+          </a:xfrm>
+          <a:prstGeom prst="rect">
+            <a:avLst/>
+          </a:prstGeom>
+          <a:noFill/>
+        </p:spPr>
+        <p:txBody>
+          <a:bodyPr wrap="none" rtlCol="0">
+            <a:spAutoFit/>
+          </a:bodyPr>
+          <a:lstStyle/>
+          <a:p>
+            <a:r>
+              <a:rPr lang="en-JP" sz="1400" dirty="0">
+                <a:solidFill>
+                  <a:srgbClr val="FF0000"/>
+                </a:solidFill>
+              </a:rPr>
+              <a:t>B</a:t>
+            </a:r>
+          </a:p>
+        </p:txBody>
+      </p:sp>
+      <p:sp>
+        <p:nvSpPr>
+          <p:cNvPr id="4" name="TextBox 3">
+            <a:extLst>
+              <a:ext uri="{FF2B5EF4-FFF2-40B4-BE49-F238E27FC236}">
+                <a16:creationId xmlns:a16="http://schemas.microsoft.com/office/drawing/2014/main" id="{EEF9F7D1-F1C7-066C-A89A-B9FE89126843}"/>
+              </a:ext>
+            </a:extLst>
+          </p:cNvPr>
+          <p:cNvSpPr txBox="1"/>
+          <p:nvPr/>
+        </p:nvSpPr>
+        <p:spPr>
+          <a:xfrm>
+            <a:off x="4141572" y="548723"/>
+            <a:ext cx="1457515" cy="307777"/>
+          </a:xfrm>
+          <a:prstGeom prst="rect">
+            <a:avLst/>
+          </a:prstGeom>
+          <a:noFill/>
+        </p:spPr>
+        <p:txBody>
+          <a:bodyPr wrap="none" rtlCol="0">
+            <a:spAutoFit/>
+          </a:bodyPr>
+          <a:lstStyle/>
+          <a:p>
+            <a:r>
+              <a:rPr lang="en-JP" sz="1400" dirty="0">
+                <a:solidFill>
+                  <a:srgbClr val="FF0000"/>
+                </a:solidFill>
+              </a:rPr>
+              <a:t>Negative controls</a:t>
+            </a:r>
+          </a:p>
+        </p:txBody>
+      </p:sp>
+      <p:cxnSp>
+        <p:nvCxnSpPr>
+          <p:cNvPr id="8" name="Straight Arrow Connector 7">
+            <a:extLst>
+              <a:ext uri="{FF2B5EF4-FFF2-40B4-BE49-F238E27FC236}">
+                <a16:creationId xmlns:a16="http://schemas.microsoft.com/office/drawing/2014/main" id="{41DBBA4D-10AC-852D-9837-992FDF7C88E2}"/>
+              </a:ext>
+            </a:extLst>
+          </p:cNvPr>
+          <p:cNvCxnSpPr>
+            <a:cxnSpLocks/>
+          </p:cNvCxnSpPr>
+          <p:nvPr/>
+        </p:nvCxnSpPr>
+        <p:spPr>
+          <a:xfrm>
+            <a:off x="4352544" y="844379"/>
+            <a:ext cx="0" cy="360000"/>
+          </a:xfrm>
+          <a:prstGeom prst="straightConnector1">
+            <a:avLst/>
+          </a:prstGeom>
+          <a:ln>
+            <a:solidFill>
+              <a:srgbClr val="FF0000"/>
+            </a:solidFill>
+            <a:tailEnd type="triangle"/>
+          </a:ln>
+        </p:spPr>
+        <p:style>
+          <a:lnRef idx="1">
+            <a:schemeClr val="accent1"/>
+          </a:lnRef>
+          <a:fillRef idx="0">
+            <a:schemeClr val="accent1"/>
+          </a:fillRef>
+          <a:effectRef idx="0">
+            <a:schemeClr val="accent1"/>
+          </a:effectRef>
+          <a:fontRef idx="minor">
+            <a:schemeClr val="tx1"/>
+          </a:fontRef>
+        </p:style>
+      </p:cxnSp>
+      <p:cxnSp>
+        <p:nvCxnSpPr>
+          <p:cNvPr id="10" name="Straight Arrow Connector 9">
+            <a:extLst>
+              <a:ext uri="{FF2B5EF4-FFF2-40B4-BE49-F238E27FC236}">
+                <a16:creationId xmlns:a16="http://schemas.microsoft.com/office/drawing/2014/main" id="{E6C14E11-B208-F9F3-7BFE-E41FE302AE94}"/>
+              </a:ext>
+            </a:extLst>
+          </p:cNvPr>
+          <p:cNvCxnSpPr>
+            <a:cxnSpLocks/>
+          </p:cNvCxnSpPr>
+          <p:nvPr/>
+        </p:nvCxnSpPr>
+        <p:spPr>
+          <a:xfrm>
+            <a:off x="4919472" y="847951"/>
+            <a:ext cx="0" cy="360000"/>
+          </a:xfrm>
+          <a:prstGeom prst="straightConnector1">
+            <a:avLst/>
+          </a:prstGeom>
+          <a:ln>
+            <a:solidFill>
+              <a:srgbClr val="FF0000"/>
+            </a:solidFill>
+            <a:tailEnd type="triangle"/>
+          </a:ln>
+        </p:spPr>
+        <p:style>
+          <a:lnRef idx="1">
+            <a:schemeClr val="accent1"/>
+          </a:lnRef>
+          <a:fillRef idx="0">
+            <a:schemeClr val="accent1"/>
+          </a:fillRef>
+          <a:effectRef idx="0">
+            <a:schemeClr val="accent1"/>
+          </a:effectRef>
+          <a:fontRef idx="minor">
+            <a:schemeClr val="tx1"/>
+          </a:fontRef>
+        </p:style>
+      </p:cxnSp>
+      <p:sp>
+        <p:nvSpPr>
+          <p:cNvPr id="11" name="TextBox 10">
+            <a:extLst>
+              <a:ext uri="{FF2B5EF4-FFF2-40B4-BE49-F238E27FC236}">
+                <a16:creationId xmlns:a16="http://schemas.microsoft.com/office/drawing/2014/main" id="{2562FBA9-5C41-4A4D-CD4D-C86AFF3E5DE6}"/>
+              </a:ext>
+            </a:extLst>
+          </p:cNvPr>
+          <p:cNvSpPr txBox="1"/>
+          <p:nvPr/>
+        </p:nvSpPr>
+        <p:spPr>
+          <a:xfrm>
+            <a:off x="356321" y="557867"/>
+            <a:ext cx="654346" cy="307777"/>
+          </a:xfrm>
+          <a:prstGeom prst="rect">
+            <a:avLst/>
+          </a:prstGeom>
+          <a:noFill/>
+        </p:spPr>
+        <p:txBody>
+          <a:bodyPr wrap="none" rtlCol="0">
+            <a:spAutoFit/>
+          </a:bodyPr>
+          <a:lstStyle/>
+          <a:p>
+            <a:r>
+              <a:rPr lang="en-JP" sz="1400" dirty="0">
+                <a:solidFill>
+                  <a:srgbClr val="FF0000"/>
+                </a:solidFill>
+              </a:rPr>
+              <a:t>ladder</a:t>
+            </a:r>
+          </a:p>
+        </p:txBody>
+      </p:sp>
+      <p:cxnSp>
+        <p:nvCxnSpPr>
+          <p:cNvPr id="12" name="Straight Arrow Connector 11">
+            <a:extLst>
+              <a:ext uri="{FF2B5EF4-FFF2-40B4-BE49-F238E27FC236}">
+                <a16:creationId xmlns:a16="http://schemas.microsoft.com/office/drawing/2014/main" id="{CF2C5BE0-604B-F6B9-A038-18C757B1C61B}"/>
+              </a:ext>
+            </a:extLst>
+          </p:cNvPr>
+          <p:cNvCxnSpPr>
+            <a:cxnSpLocks/>
+          </p:cNvCxnSpPr>
+          <p:nvPr/>
+        </p:nvCxnSpPr>
+        <p:spPr>
+          <a:xfrm>
+            <a:off x="662158" y="805372"/>
+            <a:ext cx="0" cy="360000"/>
+          </a:xfrm>
+          <a:prstGeom prst="straightConnector1">
+            <a:avLst/>
+          </a:prstGeom>
+          <a:ln>
+            <a:solidFill>
+              <a:srgbClr val="FF0000"/>
+            </a:solidFill>
+            <a:tailEnd type="triangle"/>
+          </a:ln>
+        </p:spPr>
+        <p:style>
+          <a:lnRef idx="1">
+            <a:schemeClr val="accent1"/>
+          </a:lnRef>
+          <a:fillRef idx="0">
+            <a:schemeClr val="accent1"/>
+          </a:fillRef>
+          <a:effectRef idx="0">
+            <a:schemeClr val="accent1"/>
+          </a:effectRef>
+          <a:fontRef idx="minor">
+            <a:schemeClr val="tx1"/>
+          </a:fontRef>
+        </p:style>
+      </p:cxnSp>
+      <p:sp>
+        <p:nvSpPr>
+          <p:cNvPr id="13" name="Left Brace 12">
+            <a:extLst>
+              <a:ext uri="{FF2B5EF4-FFF2-40B4-BE49-F238E27FC236}">
+                <a16:creationId xmlns:a16="http://schemas.microsoft.com/office/drawing/2014/main" id="{BFDFEA88-1D17-CD78-9CAB-670D642F0589}"/>
+              </a:ext>
+            </a:extLst>
+          </p:cNvPr>
+          <p:cNvSpPr/>
+          <p:nvPr/>
+        </p:nvSpPr>
+        <p:spPr>
+          <a:xfrm rot="16200000">
+            <a:off x="3545383" y="247538"/>
+            <a:ext cx="274320" cy="6282536"/>
+          </a:xfrm>
+          <a:prstGeom prst="leftBrace">
+            <a:avLst>
+              <a:gd name="adj1" fmla="val 8333"/>
+              <a:gd name="adj2" fmla="val 24093"/>
+            </a:avLst>
+          </a:prstGeom>
+          <a:ln w="12700">
+            <a:solidFill>
+              <a:srgbClr val="FF0000"/>
+            </a:solidFill>
+          </a:ln>
+        </p:spPr>
+        <p:style>
+          <a:lnRef idx="1">
+            <a:schemeClr val="accent1"/>
+          </a:lnRef>
+          <a:fillRef idx="0">
+            <a:schemeClr val="accent1"/>
+          </a:fillRef>
+          <a:effectRef idx="0">
+            <a:schemeClr val="accent1"/>
+          </a:effectRef>
+          <a:fontRef idx="minor">
+            <a:schemeClr val="tx1"/>
+          </a:fontRef>
+        </p:style>
+        <p:txBody>
+          <a:bodyPr rtlCol="0" anchor="ctr"/>
+          <a:lstStyle/>
+          <a:p>
+            <a:pPr algn="ctr"/>
+            <a:endParaRPr lang="en-JP"/>
+          </a:p>
+        </p:txBody>
+      </p:sp>
     </p:spTree>
     <p:extLst>
       <p:ext uri="{BB962C8B-B14F-4D97-AF65-F5344CB8AC3E}">
